--- a/pslides/summarize.pptx
+++ b/pslides/summarize.pptx
@@ -5,10 +5,11 @@
     <p:sldMasterId id="2147483648" r:id="rId1"/>
   </p:sldMasterIdLst>
   <p:notesMasterIdLst>
-    <p:notesMasterId r:id="rId3"/>
+    <p:notesMasterId r:id="rId4"/>
   </p:notesMasterIdLst>
   <p:sldIdLst>
     <p:sldId id="258" r:id="rId2"/>
+    <p:sldId id="259" r:id="rId3"/>
   </p:sldIdLst>
   <p:sldSz cx="12192000" cy="6858000"/>
   <p:notesSz cx="6858000" cy="9144000"/>
@@ -197,7 +198,7 @@
           <a:p>
             <a:fld id="{067B1328-FBA7-A54A-86BE-4FAFCAA9311A}" type="datetimeFigureOut">
               <a:rPr lang="en-US" smtClean="0"/>
-              <a:t>9/6/21</a:t>
+              <a:t>9/9/21</a:t>
             </a:fld>
             <a:endParaRPr lang="en-US"/>
           </a:p>
@@ -549,6 +550,90 @@
 </p:notes>
 </file>
 
+<file path=ppt/notesSlides/notesSlide2.xml><?xml version="1.0" encoding="utf-8"?>
+<p:notes xmlns:a="http://schemas.openxmlformats.org/drawingml/2006/main" xmlns:r="http://schemas.openxmlformats.org/officeDocument/2006/relationships" xmlns:p="http://schemas.openxmlformats.org/presentationml/2006/main">
+  <p:cSld>
+    <p:spTree>
+      <p:nvGrpSpPr>
+        <p:cNvPr id="1" name=""/>
+        <p:cNvGrpSpPr/>
+        <p:nvPr/>
+      </p:nvGrpSpPr>
+      <p:grpSpPr>
+        <a:xfrm>
+          <a:off x="0" y="0"/>
+          <a:ext cx="0" cy="0"/>
+          <a:chOff x="0" y="0"/>
+          <a:chExt cx="0" cy="0"/>
+        </a:xfrm>
+      </p:grpSpPr>
+      <p:sp>
+        <p:nvSpPr>
+          <p:cNvPr id="2" name="Espace réservé de l'image des diapositives 1"/>
+          <p:cNvSpPr>
+            <a:spLocks noGrp="1" noRot="1" noChangeAspect="1"/>
+          </p:cNvSpPr>
+          <p:nvPr>
+            <p:ph type="sldImg"/>
+          </p:nvPr>
+        </p:nvSpPr>
+        <p:spPr/>
+      </p:sp>
+      <p:sp>
+        <p:nvSpPr>
+          <p:cNvPr id="3" name="Espace réservé des notes 2"/>
+          <p:cNvSpPr>
+            <a:spLocks noGrp="1"/>
+          </p:cNvSpPr>
+          <p:nvPr>
+            <p:ph type="body" idx="1"/>
+          </p:nvPr>
+        </p:nvSpPr>
+        <p:spPr/>
+        <p:txBody>
+          <a:bodyPr/>
+          <a:lstStyle/>
+          <a:p>
+            <a:endParaRPr lang="en-US" dirty="0"/>
+          </a:p>
+        </p:txBody>
+      </p:sp>
+      <p:sp>
+        <p:nvSpPr>
+          <p:cNvPr id="4" name="Espace réservé du numéro de diapositive 3"/>
+          <p:cNvSpPr>
+            <a:spLocks noGrp="1"/>
+          </p:cNvSpPr>
+          <p:nvPr>
+            <p:ph type="sldNum" sz="quarter" idx="5"/>
+          </p:nvPr>
+        </p:nvSpPr>
+        <p:spPr/>
+        <p:txBody>
+          <a:bodyPr/>
+          <a:lstStyle/>
+          <a:p>
+            <a:fld id="{D6B1147D-71F1-F446-94EA-375E26B9EE5D}" type="slidenum">
+              <a:rPr lang="en-US" smtClean="0"/>
+              <a:t>2</a:t>
+            </a:fld>
+            <a:endParaRPr lang="en-US"/>
+          </a:p>
+        </p:txBody>
+      </p:sp>
+    </p:spTree>
+    <p:extLst>
+      <p:ext uri="{BB962C8B-B14F-4D97-AF65-F5344CB8AC3E}">
+        <p14:creationId xmlns:p14="http://schemas.microsoft.com/office/powerpoint/2010/main" val="576870579"/>
+      </p:ext>
+    </p:extLst>
+  </p:cSld>
+  <p:clrMapOvr>
+    <a:masterClrMapping/>
+  </p:clrMapOvr>
+</p:notes>
+</file>
+
 <file path=ppt/slideLayouts/slideLayout1.xml><?xml version="1.0" encoding="utf-8"?>
 <p:sldLayout xmlns:a="http://schemas.openxmlformats.org/drawingml/2006/main" xmlns:r="http://schemas.openxmlformats.org/officeDocument/2006/relationships" xmlns:p="http://schemas.openxmlformats.org/presentationml/2006/main" type="title" preserve="1">
   <p:cSld name="Diapositive de titre">
@@ -696,7 +781,7 @@
           <a:p>
             <a:fld id="{7B9169B0-A344-9A43-AAD5-682508993835}" type="datetimeFigureOut">
               <a:rPr lang="fr-FR" smtClean="0"/>
-              <a:t>06/09/2021</a:t>
+              <a:t>09/09/2021</a:t>
             </a:fld>
             <a:endParaRPr lang="fr-FR"/>
           </a:p>
@@ -894,7 +979,7 @@
           <a:p>
             <a:fld id="{7B9169B0-A344-9A43-AAD5-682508993835}" type="datetimeFigureOut">
               <a:rPr lang="fr-FR" smtClean="0"/>
-              <a:t>06/09/2021</a:t>
+              <a:t>09/09/2021</a:t>
             </a:fld>
             <a:endParaRPr lang="fr-FR"/>
           </a:p>
@@ -1102,7 +1187,7 @@
           <a:p>
             <a:fld id="{7B9169B0-A344-9A43-AAD5-682508993835}" type="datetimeFigureOut">
               <a:rPr lang="fr-FR" smtClean="0"/>
-              <a:t>06/09/2021</a:t>
+              <a:t>09/09/2021</a:t>
             </a:fld>
             <a:endParaRPr lang="fr-FR"/>
           </a:p>
@@ -1300,7 +1385,7 @@
           <a:p>
             <a:fld id="{7B9169B0-A344-9A43-AAD5-682508993835}" type="datetimeFigureOut">
               <a:rPr lang="fr-FR" smtClean="0"/>
-              <a:t>06/09/2021</a:t>
+              <a:t>09/09/2021</a:t>
             </a:fld>
             <a:endParaRPr lang="fr-FR"/>
           </a:p>
@@ -1575,7 +1660,7 @@
           <a:p>
             <a:fld id="{7B9169B0-A344-9A43-AAD5-682508993835}" type="datetimeFigureOut">
               <a:rPr lang="fr-FR" smtClean="0"/>
-              <a:t>06/09/2021</a:t>
+              <a:t>09/09/2021</a:t>
             </a:fld>
             <a:endParaRPr lang="fr-FR"/>
           </a:p>
@@ -1840,7 +1925,7 @@
           <a:p>
             <a:fld id="{7B9169B0-A344-9A43-AAD5-682508993835}" type="datetimeFigureOut">
               <a:rPr lang="fr-FR" smtClean="0"/>
-              <a:t>06/09/2021</a:t>
+              <a:t>09/09/2021</a:t>
             </a:fld>
             <a:endParaRPr lang="fr-FR"/>
           </a:p>
@@ -2252,7 +2337,7 @@
           <a:p>
             <a:fld id="{7B9169B0-A344-9A43-AAD5-682508993835}" type="datetimeFigureOut">
               <a:rPr lang="fr-FR" smtClean="0"/>
-              <a:t>06/09/2021</a:t>
+              <a:t>09/09/2021</a:t>
             </a:fld>
             <a:endParaRPr lang="fr-FR"/>
           </a:p>
@@ -2393,7 +2478,7 @@
           <a:p>
             <a:fld id="{7B9169B0-A344-9A43-AAD5-682508993835}" type="datetimeFigureOut">
               <a:rPr lang="fr-FR" smtClean="0"/>
-              <a:t>06/09/2021</a:t>
+              <a:t>09/09/2021</a:t>
             </a:fld>
             <a:endParaRPr lang="fr-FR"/>
           </a:p>
@@ -2506,7 +2591,7 @@
           <a:p>
             <a:fld id="{7B9169B0-A344-9A43-AAD5-682508993835}" type="datetimeFigureOut">
               <a:rPr lang="fr-FR" smtClean="0"/>
-              <a:t>06/09/2021</a:t>
+              <a:t>09/09/2021</a:t>
             </a:fld>
             <a:endParaRPr lang="fr-FR"/>
           </a:p>
@@ -2817,7 +2902,7 @@
           <a:p>
             <a:fld id="{7B9169B0-A344-9A43-AAD5-682508993835}" type="datetimeFigureOut">
               <a:rPr lang="fr-FR" smtClean="0"/>
-              <a:t>06/09/2021</a:t>
+              <a:t>09/09/2021</a:t>
             </a:fld>
             <a:endParaRPr lang="fr-FR"/>
           </a:p>
@@ -3105,7 +3190,7 @@
           <a:p>
             <a:fld id="{7B9169B0-A344-9A43-AAD5-682508993835}" type="datetimeFigureOut">
               <a:rPr lang="fr-FR" smtClean="0"/>
-              <a:t>06/09/2021</a:t>
+              <a:t>09/09/2021</a:t>
             </a:fld>
             <a:endParaRPr lang="fr-FR"/>
           </a:p>
@@ -3346,7 +3431,7 @@
           <a:p>
             <a:fld id="{7B9169B0-A344-9A43-AAD5-682508993835}" type="datetimeFigureOut">
               <a:rPr lang="fr-FR" smtClean="0"/>
-              <a:t>06/09/2021</a:t>
+              <a:t>09/09/2021</a:t>
             </a:fld>
             <a:endParaRPr lang="fr-FR"/>
           </a:p>
@@ -3794,7 +3879,7 @@
             <a:pPr algn="ctr"/>
             <a:r>
               <a:rPr lang="fr-FR" sz="4800" b="1" u="sng" noProof="1"/>
-              <a:t>SUMMARIZE / GROUP BY</a:t>
+              <a:t>SUMMARIZE</a:t>
             </a:r>
           </a:p>
         </p:txBody>
@@ -3908,7 +3993,7 @@
             <a:avLst/>
           </a:prstGeom>
           <a:solidFill>
-            <a:schemeClr val="accent2">
+            <a:schemeClr val="accent6">
               <a:lumMod val="60000"/>
               <a:lumOff val="40000"/>
             </a:schemeClr>
@@ -3968,8 +4053,9 @@
             <a:avLst/>
           </a:prstGeom>
           <a:solidFill>
-            <a:schemeClr val="accent5">
-              <a:lumMod val="75000"/>
+            <a:schemeClr val="accent6">
+              <a:lumMod val="60000"/>
+              <a:lumOff val="40000"/>
             </a:schemeClr>
           </a:solidFill>
           <a:ln>
@@ -4027,8 +4113,9 @@
             <a:avLst/>
           </a:prstGeom>
           <a:solidFill>
-            <a:schemeClr val="accent5">
-              <a:lumMod val="75000"/>
+            <a:schemeClr val="accent6">
+              <a:lumMod val="60000"/>
+              <a:lumOff val="40000"/>
             </a:schemeClr>
           </a:solidFill>
           <a:ln>
@@ -4086,7 +4173,7 @@
             <a:avLst/>
           </a:prstGeom>
           <a:solidFill>
-            <a:schemeClr val="accent2">
+            <a:schemeClr val="accent6">
               <a:lumMod val="60000"/>
               <a:lumOff val="40000"/>
             </a:schemeClr>
@@ -4146,8 +4233,9 @@
             <a:avLst/>
           </a:prstGeom>
           <a:solidFill>
-            <a:schemeClr val="accent5">
-              <a:lumMod val="75000"/>
+            <a:schemeClr val="accent6">
+              <a:lumMod val="60000"/>
+              <a:lumOff val="40000"/>
             </a:schemeClr>
           </a:solidFill>
           <a:ln>
@@ -4205,8 +4293,9 @@
             <a:avLst/>
           </a:prstGeom>
           <a:solidFill>
-            <a:schemeClr val="accent5">
-              <a:lumMod val="75000"/>
+            <a:schemeClr val="accent6">
+              <a:lumMod val="60000"/>
+              <a:lumOff val="40000"/>
             </a:schemeClr>
           </a:solidFill>
           <a:ln>
@@ -4264,8 +4353,9 @@
             <a:avLst/>
           </a:prstGeom>
           <a:solidFill>
-            <a:schemeClr val="accent5">
-              <a:lumMod val="75000"/>
+            <a:schemeClr val="accent6">
+              <a:lumMod val="60000"/>
+              <a:lumOff val="40000"/>
             </a:schemeClr>
           </a:solidFill>
           <a:ln>
@@ -4323,7 +4413,7 @@
             <a:avLst/>
           </a:prstGeom>
           <a:solidFill>
-            <a:schemeClr val="accent2">
+            <a:schemeClr val="accent6">
               <a:lumMod val="60000"/>
               <a:lumOff val="40000"/>
             </a:schemeClr>
@@ -4383,8 +4473,9 @@
             <a:avLst/>
           </a:prstGeom>
           <a:solidFill>
-            <a:schemeClr val="accent5">
-              <a:lumMod val="75000"/>
+            <a:schemeClr val="accent6">
+              <a:lumMod val="60000"/>
+              <a:lumOff val="40000"/>
             </a:schemeClr>
           </a:solidFill>
           <a:ln>
@@ -4442,7 +4533,7 @@
             <a:avLst/>
           </a:prstGeom>
           <a:solidFill>
-            <a:schemeClr val="accent2">
+            <a:schemeClr val="accent6">
               <a:lumMod val="60000"/>
               <a:lumOff val="40000"/>
             </a:schemeClr>
@@ -4502,7 +4593,7 @@
             <a:avLst/>
           </a:prstGeom>
           <a:solidFill>
-            <a:schemeClr val="accent2">
+            <a:schemeClr val="accent6">
               <a:lumMod val="60000"/>
               <a:lumOff val="40000"/>
             </a:schemeClr>
@@ -4562,7 +4653,7 @@
             <a:avLst/>
           </a:prstGeom>
           <a:solidFill>
-            <a:schemeClr val="accent2">
+            <a:schemeClr val="accent6">
               <a:lumMod val="60000"/>
               <a:lumOff val="40000"/>
             </a:schemeClr>
@@ -5137,8 +5228,8 @@
         </p:nvSpPr>
         <p:spPr>
           <a:xfrm>
-            <a:off x="7257715" y="2347597"/>
-            <a:ext cx="294289" cy="1581805"/>
+            <a:off x="7257715" y="2604334"/>
+            <a:ext cx="294289" cy="1015663"/>
           </a:xfrm>
           <a:prstGeom prst="leftBracket">
             <a:avLst/>
@@ -5182,8 +5273,8 @@
         </p:nvSpPr>
         <p:spPr>
           <a:xfrm rot="10800000">
-            <a:off x="8742306" y="2339387"/>
-            <a:ext cx="294289" cy="1610711"/>
+            <a:off x="8742304" y="2596122"/>
+            <a:ext cx="294289" cy="1015662"/>
           </a:xfrm>
           <a:prstGeom prst="leftBracket">
             <a:avLst/>
@@ -5263,14 +5354,14 @@
         </p:nvSpPr>
         <p:spPr>
           <a:xfrm>
-            <a:off x="7431137" y="2514270"/>
+            <a:off x="7485566" y="2792779"/>
             <a:ext cx="578069" cy="578069"/>
           </a:xfrm>
           <a:prstGeom prst="roundRect">
             <a:avLst/>
           </a:prstGeom>
           <a:solidFill>
-            <a:schemeClr val="accent2">
+            <a:schemeClr val="accent6">
               <a:lumMod val="60000"/>
               <a:lumOff val="40000"/>
             </a:schemeClr>
@@ -5323,14 +5414,14 @@
         </p:nvSpPr>
         <p:spPr>
           <a:xfrm>
-            <a:off x="8161606" y="2514269"/>
+            <a:off x="8216035" y="2792778"/>
             <a:ext cx="578069" cy="578069"/>
           </a:xfrm>
           <a:prstGeom prst="roundRect">
             <a:avLst/>
           </a:prstGeom>
           <a:solidFill>
-            <a:schemeClr val="accent2">
+            <a:schemeClr val="accent6">
               <a:lumMod val="60000"/>
               <a:lumOff val="40000"/>
             </a:schemeClr>
@@ -5383,7 +5474,7 @@
         </p:nvSpPr>
         <p:spPr>
           <a:xfrm>
-            <a:off x="7431135" y="2618639"/>
+            <a:off x="7485564" y="2897148"/>
             <a:ext cx="578069" cy="369332"/>
           </a:xfrm>
           <a:prstGeom prst="rect">
@@ -5400,7 +5491,7 @@
             <a:pPr algn="ctr"/>
             <a:r>
               <a:rPr lang="fr-FR" noProof="1"/>
-              <a:t>A</a:t>
+              <a:t>4</a:t>
             </a:r>
           </a:p>
         </p:txBody>
@@ -5419,7 +5510,7 @@
         </p:nvSpPr>
         <p:spPr>
           <a:xfrm>
-            <a:off x="8158973" y="2609285"/>
+            <a:off x="8213402" y="2887794"/>
             <a:ext cx="578069" cy="369332"/>
           </a:xfrm>
           <a:prstGeom prst="rect">
@@ -5436,17 +5527,339 @@
             <a:pPr algn="ctr"/>
             <a:r>
               <a:rPr lang="fr-FR" noProof="1"/>
-              <a:t>8</a:t>
-            </a:r>
-          </a:p>
-        </p:txBody>
-      </p:sp>
-      <p:sp>
-        <p:nvSpPr>
-          <p:cNvPr id="52" name="Rectangle : coins arrondis 51">
-            <a:extLst>
-              <a:ext uri="{FF2B5EF4-FFF2-40B4-BE49-F238E27FC236}">
-                <a16:creationId xmlns:a16="http://schemas.microsoft.com/office/drawing/2014/main" id="{A1A75191-5265-7C46-9317-44381E7EFFB3}"/>
+              <a:t>13</a:t>
+            </a:r>
+          </a:p>
+        </p:txBody>
+      </p:sp>
+      <p:sp>
+        <p:nvSpPr>
+          <p:cNvPr id="60" name="ZoneTexte 59">
+            <a:extLst>
+              <a:ext uri="{FF2B5EF4-FFF2-40B4-BE49-F238E27FC236}">
+                <a16:creationId xmlns:a16="http://schemas.microsoft.com/office/drawing/2014/main" id="{32897847-E820-B448-8718-0315B0D841C9}"/>
+              </a:ext>
+            </a:extLst>
+          </p:cNvPr>
+          <p:cNvSpPr txBox="1"/>
+          <p:nvPr/>
+        </p:nvSpPr>
+        <p:spPr>
+          <a:xfrm>
+            <a:off x="2150964" y="4853436"/>
+            <a:ext cx="7798374" cy="523220"/>
+          </a:xfrm>
+          <a:prstGeom prst="rect">
+            <a:avLst/>
+          </a:prstGeom>
+          <a:noFill/>
+        </p:spPr>
+        <p:txBody>
+          <a:bodyPr wrap="square" rtlCol="0">
+            <a:spAutoFit/>
+          </a:bodyPr>
+          <a:lstStyle/>
+          <a:p>
+            <a:pPr algn="ctr"/>
+            <a:r>
+              <a:rPr lang="fr-FR" sz="2800" b="1" noProof="1">
+                <a:solidFill>
+                  <a:schemeClr val="accent4">
+                    <a:lumMod val="75000"/>
+                  </a:schemeClr>
+                </a:solidFill>
+              </a:rPr>
+              <a:t>sum(), mean(), median(), min(), max(), sd(), var() </a:t>
+            </a:r>
+          </a:p>
+        </p:txBody>
+      </p:sp>
+      <p:sp>
+        <p:nvSpPr>
+          <p:cNvPr id="61" name="ZoneTexte 60">
+            <a:extLst>
+              <a:ext uri="{FF2B5EF4-FFF2-40B4-BE49-F238E27FC236}">
+                <a16:creationId xmlns:a16="http://schemas.microsoft.com/office/drawing/2014/main" id="{6131D068-B104-164C-9258-4E66129DD54B}"/>
+              </a:ext>
+            </a:extLst>
+          </p:cNvPr>
+          <p:cNvSpPr txBox="1"/>
+          <p:nvPr/>
+        </p:nvSpPr>
+        <p:spPr>
+          <a:xfrm>
+            <a:off x="2150964" y="5484621"/>
+            <a:ext cx="4293379" cy="523220"/>
+          </a:xfrm>
+          <a:prstGeom prst="rect">
+            <a:avLst/>
+          </a:prstGeom>
+          <a:noFill/>
+        </p:spPr>
+        <p:txBody>
+          <a:bodyPr wrap="square" rtlCol="0">
+            <a:spAutoFit/>
+          </a:bodyPr>
+          <a:lstStyle/>
+          <a:p>
+            <a:pPr algn="ctr"/>
+            <a:r>
+              <a:rPr lang="fr-FR" sz="2800" b="1" noProof="1">
+                <a:solidFill>
+                  <a:schemeClr val="accent4">
+                    <a:lumMod val="75000"/>
+                  </a:schemeClr>
+                </a:solidFill>
+              </a:rPr>
+              <a:t>paste(, collapse = "; ")</a:t>
+            </a:r>
+          </a:p>
+        </p:txBody>
+      </p:sp>
+      <p:sp>
+        <p:nvSpPr>
+          <p:cNvPr id="62" name="ZoneTexte 61">
+            <a:extLst>
+              <a:ext uri="{FF2B5EF4-FFF2-40B4-BE49-F238E27FC236}">
+                <a16:creationId xmlns:a16="http://schemas.microsoft.com/office/drawing/2014/main" id="{3AE8DC85-8D23-5B42-9F18-D9262D90BE70}"/>
+              </a:ext>
+            </a:extLst>
+          </p:cNvPr>
+          <p:cNvSpPr txBox="1"/>
+          <p:nvPr/>
+        </p:nvSpPr>
+        <p:spPr>
+          <a:xfrm>
+            <a:off x="6169459" y="5484621"/>
+            <a:ext cx="3090885" cy="523220"/>
+          </a:xfrm>
+          <a:prstGeom prst="rect">
+            <a:avLst/>
+          </a:prstGeom>
+          <a:noFill/>
+        </p:spPr>
+        <p:txBody>
+          <a:bodyPr wrap="square" rtlCol="0">
+            <a:spAutoFit/>
+          </a:bodyPr>
+          <a:lstStyle/>
+          <a:p>
+            <a:pPr algn="ctr"/>
+            <a:r>
+              <a:rPr lang="fr-FR" sz="2800" b="1" noProof="1">
+                <a:solidFill>
+                  <a:schemeClr val="accent4">
+                    <a:lumMod val="75000"/>
+                  </a:schemeClr>
+                </a:solidFill>
+              </a:rPr>
+              <a:t>n(), n_distinct()</a:t>
+            </a:r>
+          </a:p>
+        </p:txBody>
+      </p:sp>
+      <p:sp>
+        <p:nvSpPr>
+          <p:cNvPr id="63" name="ZoneTexte 62">
+            <a:extLst>
+              <a:ext uri="{FF2B5EF4-FFF2-40B4-BE49-F238E27FC236}">
+                <a16:creationId xmlns:a16="http://schemas.microsoft.com/office/drawing/2014/main" id="{BB2ED946-7D93-0240-8F9F-A376AB428667}"/>
+              </a:ext>
+            </a:extLst>
+          </p:cNvPr>
+          <p:cNvSpPr txBox="1"/>
+          <p:nvPr/>
+        </p:nvSpPr>
+        <p:spPr>
+          <a:xfrm>
+            <a:off x="3894397" y="6127044"/>
+            <a:ext cx="4552641" cy="523220"/>
+          </a:xfrm>
+          <a:prstGeom prst="rect">
+            <a:avLst/>
+          </a:prstGeom>
+          <a:noFill/>
+        </p:spPr>
+        <p:txBody>
+          <a:bodyPr wrap="square" rtlCol="0">
+            <a:spAutoFit/>
+          </a:bodyPr>
+          <a:lstStyle/>
+          <a:p>
+            <a:pPr algn="ctr"/>
+            <a:r>
+              <a:rPr lang="fr-FR" sz="2800" b="1" noProof="1">
+                <a:solidFill>
+                  <a:schemeClr val="accent4">
+                    <a:lumMod val="75000"/>
+                  </a:schemeClr>
+                </a:solidFill>
+              </a:rPr>
+              <a:t>first(), last(), nth(, n = 1)</a:t>
+            </a:r>
+          </a:p>
+        </p:txBody>
+      </p:sp>
+    </p:spTree>
+    <p:extLst>
+      <p:ext uri="{BB962C8B-B14F-4D97-AF65-F5344CB8AC3E}">
+        <p14:creationId xmlns:p14="http://schemas.microsoft.com/office/powerpoint/2010/main" val="3749992948"/>
+      </p:ext>
+    </p:extLst>
+  </p:cSld>
+  <p:clrMapOvr>
+    <a:masterClrMapping/>
+  </p:clrMapOvr>
+</p:sld>
+</file>
+
+<file path=ppt/slides/slide2.xml><?xml version="1.0" encoding="utf-8"?>
+<p:sld xmlns:a="http://schemas.openxmlformats.org/drawingml/2006/main" xmlns:r="http://schemas.openxmlformats.org/officeDocument/2006/relationships" xmlns:p="http://schemas.openxmlformats.org/presentationml/2006/main">
+  <p:cSld>
+    <p:spTree>
+      <p:nvGrpSpPr>
+        <p:cNvPr id="1" name=""/>
+        <p:cNvGrpSpPr/>
+        <p:nvPr/>
+      </p:nvGrpSpPr>
+      <p:grpSpPr>
+        <a:xfrm>
+          <a:off x="0" y="0"/>
+          <a:ext cx="0" cy="0"/>
+          <a:chOff x="0" y="0"/>
+          <a:chExt cx="0" cy="0"/>
+        </a:xfrm>
+      </p:grpSpPr>
+      <p:sp>
+        <p:nvSpPr>
+          <p:cNvPr id="72" name="ZoneTexte 71">
+            <a:extLst>
+              <a:ext uri="{FF2B5EF4-FFF2-40B4-BE49-F238E27FC236}">
+                <a16:creationId xmlns:a16="http://schemas.microsoft.com/office/drawing/2014/main" id="{3890A706-5F2B-E84E-A26A-A267907CC130}"/>
+              </a:ext>
+            </a:extLst>
+          </p:cNvPr>
+          <p:cNvSpPr txBox="1"/>
+          <p:nvPr/>
+        </p:nvSpPr>
+        <p:spPr>
+          <a:xfrm>
+            <a:off x="2412449" y="187151"/>
+            <a:ext cx="7367101" cy="830997"/>
+          </a:xfrm>
+          <a:prstGeom prst="rect">
+            <a:avLst/>
+          </a:prstGeom>
+          <a:noFill/>
+        </p:spPr>
+        <p:txBody>
+          <a:bodyPr wrap="square" rtlCol="0">
+            <a:spAutoFit/>
+          </a:bodyPr>
+          <a:lstStyle/>
+          <a:p>
+            <a:pPr algn="ctr"/>
+            <a:r>
+              <a:rPr lang="fr-FR" sz="4800" b="1" u="sng" noProof="1"/>
+              <a:t>SUMMARIZE + GROUP BY</a:t>
+            </a:r>
+          </a:p>
+        </p:txBody>
+      </p:sp>
+      <p:pic>
+        <p:nvPicPr>
+          <p:cNvPr id="1026" name="Picture 2">
+            <a:extLst>
+              <a:ext uri="{FF2B5EF4-FFF2-40B4-BE49-F238E27FC236}">
+                <a16:creationId xmlns:a16="http://schemas.microsoft.com/office/drawing/2014/main" id="{ECEC78D4-0EC8-6148-B750-42F18BFCA56C}"/>
+              </a:ext>
+            </a:extLst>
+          </p:cNvPr>
+          <p:cNvPicPr>
+            <a:picLocks noChangeAspect="1" noChangeArrowheads="1"/>
+          </p:cNvPicPr>
+          <p:nvPr/>
+        </p:nvPicPr>
+        <p:blipFill>
+          <a:blip r:embed="rId3">
+            <a:extLst>
+              <a:ext uri="{28A0092B-C50C-407E-A947-70E740481C1C}">
+                <a14:useLocalDpi xmlns:a14="http://schemas.microsoft.com/office/drawing/2010/main" val="0"/>
+              </a:ext>
+            </a:extLst>
+          </a:blip>
+          <a:srcRect/>
+          <a:stretch>
+            <a:fillRect/>
+          </a:stretch>
+        </p:blipFill>
+        <p:spPr bwMode="auto">
+          <a:xfrm>
+            <a:off x="11267345" y="6475487"/>
+            <a:ext cx="856587" cy="299700"/>
+          </a:xfrm>
+          <a:prstGeom prst="rect">
+            <a:avLst/>
+          </a:prstGeom>
+          <a:noFill/>
+          <a:extLst>
+            <a:ext uri="{909E8E84-426E-40DD-AFC4-6F175D3DCCD1}">
+              <a14:hiddenFill xmlns:a14="http://schemas.microsoft.com/office/drawing/2010/main">
+                <a:solidFill>
+                  <a:srgbClr val="FFFFFF"/>
+                </a:solidFill>
+              </a14:hiddenFill>
+            </a:ext>
+          </a:extLst>
+        </p:spPr>
+      </p:pic>
+      <p:sp>
+        <p:nvSpPr>
+          <p:cNvPr id="76" name="ZoneTexte 75">
+            <a:extLst>
+              <a:ext uri="{FF2B5EF4-FFF2-40B4-BE49-F238E27FC236}">
+                <a16:creationId xmlns:a16="http://schemas.microsoft.com/office/drawing/2014/main" id="{827C32F7-EAB8-F143-B412-CBD04F7209BF}"/>
+              </a:ext>
+            </a:extLst>
+          </p:cNvPr>
+          <p:cNvSpPr txBox="1"/>
+          <p:nvPr/>
+        </p:nvSpPr>
+        <p:spPr>
+          <a:xfrm>
+            <a:off x="68068" y="6475487"/>
+            <a:ext cx="4030964" cy="338554"/>
+          </a:xfrm>
+          <a:prstGeom prst="rect">
+            <a:avLst/>
+          </a:prstGeom>
+          <a:noFill/>
+        </p:spPr>
+        <p:txBody>
+          <a:bodyPr wrap="square" rtlCol="0">
+            <a:spAutoFit/>
+          </a:bodyPr>
+          <a:lstStyle/>
+          <a:p>
+            <a:r>
+              <a:rPr lang="fr-FR" sz="1600" noProof="1">
+                <a:solidFill>
+                  <a:schemeClr val="bg1">
+                    <a:lumMod val="65000"/>
+                  </a:schemeClr>
+                </a:solidFill>
+              </a:rPr>
+              <a:t>T. ARNOLD</a:t>
+            </a:r>
+          </a:p>
+        </p:txBody>
+      </p:sp>
+      <p:sp>
+        <p:nvSpPr>
+          <p:cNvPr id="5" name="Rectangle : coins arrondis 4">
+            <a:extLst>
+              <a:ext uri="{FF2B5EF4-FFF2-40B4-BE49-F238E27FC236}">
+                <a16:creationId xmlns:a16="http://schemas.microsoft.com/office/drawing/2014/main" id="{6367F99B-5DB8-8543-A63E-B9E3705EF004}"/>
               </a:ext>
             </a:extLst>
           </p:cNvPr>
@@ -5455,15 +5868,16 @@
         </p:nvSpPr>
         <p:spPr>
           <a:xfrm>
-            <a:off x="7431134" y="3235554"/>
+            <a:off x="2591126" y="1698171"/>
             <a:ext cx="578069" cy="578069"/>
           </a:xfrm>
           <a:prstGeom prst="roundRect">
             <a:avLst/>
           </a:prstGeom>
           <a:solidFill>
-            <a:schemeClr val="accent5">
-              <a:lumMod val="75000"/>
+            <a:schemeClr val="accent2">
+              <a:lumMod val="60000"/>
+              <a:lumOff val="40000"/>
             </a:schemeClr>
           </a:solidFill>
           <a:ln>
@@ -5502,10 +5916,10 @@
       </p:sp>
       <p:sp>
         <p:nvSpPr>
-          <p:cNvPr id="53" name="Rectangle : coins arrondis 52">
-            <a:extLst>
-              <a:ext uri="{FF2B5EF4-FFF2-40B4-BE49-F238E27FC236}">
-                <a16:creationId xmlns:a16="http://schemas.microsoft.com/office/drawing/2014/main" id="{FD73C62F-F432-7947-9753-A042AF991496}"/>
+          <p:cNvPr id="6" name="Rectangle : coins arrondis 5">
+            <a:extLst>
+              <a:ext uri="{FF2B5EF4-FFF2-40B4-BE49-F238E27FC236}">
+                <a16:creationId xmlns:a16="http://schemas.microsoft.com/office/drawing/2014/main" id="{C1CE020F-10AD-794E-94D0-6B6F33FF9389}"/>
               </a:ext>
             </a:extLst>
           </p:cNvPr>
@@ -5514,7 +5928,7 @@
         </p:nvSpPr>
         <p:spPr>
           <a:xfrm>
-            <a:off x="8161604" y="3235553"/>
+            <a:off x="2591126" y="2418129"/>
             <a:ext cx="578069" cy="578069"/>
           </a:xfrm>
           <a:prstGeom prst="roundRect">
@@ -5561,10 +5975,695 @@
       </p:sp>
       <p:sp>
         <p:nvSpPr>
-          <p:cNvPr id="56" name="ZoneTexte 55">
-            <a:extLst>
-              <a:ext uri="{FF2B5EF4-FFF2-40B4-BE49-F238E27FC236}">
-                <a16:creationId xmlns:a16="http://schemas.microsoft.com/office/drawing/2014/main" id="{199C955F-195B-4A47-9535-2BEAF1D87C00}"/>
+          <p:cNvPr id="7" name="Rectangle : coins arrondis 6">
+            <a:extLst>
+              <a:ext uri="{FF2B5EF4-FFF2-40B4-BE49-F238E27FC236}">
+                <a16:creationId xmlns:a16="http://schemas.microsoft.com/office/drawing/2014/main" id="{86119BB2-3C20-9C46-8C87-AABF150918D7}"/>
+              </a:ext>
+            </a:extLst>
+          </p:cNvPr>
+          <p:cNvSpPr/>
+          <p:nvPr/>
+        </p:nvSpPr>
+        <p:spPr>
+          <a:xfrm>
+            <a:off x="3321596" y="2418128"/>
+            <a:ext cx="578069" cy="578069"/>
+          </a:xfrm>
+          <a:prstGeom prst="roundRect">
+            <a:avLst/>
+          </a:prstGeom>
+          <a:solidFill>
+            <a:schemeClr val="accent5">
+              <a:lumMod val="75000"/>
+            </a:schemeClr>
+          </a:solidFill>
+          <a:ln>
+            <a:solidFill>
+              <a:schemeClr val="tx1">
+                <a:lumMod val="95000"/>
+                <a:lumOff val="5000"/>
+              </a:schemeClr>
+            </a:solidFill>
+          </a:ln>
+        </p:spPr>
+        <p:style>
+          <a:lnRef idx="2">
+            <a:schemeClr val="accent1">
+              <a:shade val="50000"/>
+            </a:schemeClr>
+          </a:lnRef>
+          <a:fillRef idx="1">
+            <a:schemeClr val="accent1"/>
+          </a:fillRef>
+          <a:effectRef idx="0">
+            <a:schemeClr val="accent1"/>
+          </a:effectRef>
+          <a:fontRef idx="minor">
+            <a:schemeClr val="lt1"/>
+          </a:fontRef>
+        </p:style>
+        <p:txBody>
+          <a:bodyPr rtlCol="0" anchor="ctr"/>
+          <a:lstStyle/>
+          <a:p>
+            <a:pPr algn="ctr"/>
+            <a:endParaRPr lang="fr-FR" noProof="1"/>
+          </a:p>
+        </p:txBody>
+      </p:sp>
+      <p:sp>
+        <p:nvSpPr>
+          <p:cNvPr id="8" name="Rectangle : coins arrondis 7">
+            <a:extLst>
+              <a:ext uri="{FF2B5EF4-FFF2-40B4-BE49-F238E27FC236}">
+                <a16:creationId xmlns:a16="http://schemas.microsoft.com/office/drawing/2014/main" id="{747B8ED1-1382-844D-8F2F-3061A1DAAA5D}"/>
+              </a:ext>
+            </a:extLst>
+          </p:cNvPr>
+          <p:cNvSpPr/>
+          <p:nvPr/>
+        </p:nvSpPr>
+        <p:spPr>
+          <a:xfrm>
+            <a:off x="3321595" y="1698170"/>
+            <a:ext cx="578069" cy="578069"/>
+          </a:xfrm>
+          <a:prstGeom prst="roundRect">
+            <a:avLst/>
+          </a:prstGeom>
+          <a:solidFill>
+            <a:schemeClr val="accent2">
+              <a:lumMod val="60000"/>
+              <a:lumOff val="40000"/>
+            </a:schemeClr>
+          </a:solidFill>
+          <a:ln>
+            <a:solidFill>
+              <a:schemeClr val="tx1">
+                <a:lumMod val="95000"/>
+                <a:lumOff val="5000"/>
+              </a:schemeClr>
+            </a:solidFill>
+          </a:ln>
+        </p:spPr>
+        <p:style>
+          <a:lnRef idx="2">
+            <a:schemeClr val="accent1">
+              <a:shade val="50000"/>
+            </a:schemeClr>
+          </a:lnRef>
+          <a:fillRef idx="1">
+            <a:schemeClr val="accent1"/>
+          </a:fillRef>
+          <a:effectRef idx="0">
+            <a:schemeClr val="accent1"/>
+          </a:effectRef>
+          <a:fontRef idx="minor">
+            <a:schemeClr val="lt1"/>
+          </a:fontRef>
+        </p:style>
+        <p:txBody>
+          <a:bodyPr rtlCol="0" anchor="ctr"/>
+          <a:lstStyle/>
+          <a:p>
+            <a:pPr algn="ctr"/>
+            <a:endParaRPr lang="fr-FR" noProof="1"/>
+          </a:p>
+        </p:txBody>
+      </p:sp>
+      <p:sp>
+        <p:nvSpPr>
+          <p:cNvPr id="9" name="Rectangle : coins arrondis 8">
+            <a:extLst>
+              <a:ext uri="{FF2B5EF4-FFF2-40B4-BE49-F238E27FC236}">
+                <a16:creationId xmlns:a16="http://schemas.microsoft.com/office/drawing/2014/main" id="{384646A2-0FD8-814B-A0C0-4FC1983F7211}"/>
+              </a:ext>
+            </a:extLst>
+          </p:cNvPr>
+          <p:cNvSpPr/>
+          <p:nvPr/>
+        </p:nvSpPr>
+        <p:spPr>
+          <a:xfrm>
+            <a:off x="2591125" y="3138087"/>
+            <a:ext cx="578069" cy="578069"/>
+          </a:xfrm>
+          <a:prstGeom prst="roundRect">
+            <a:avLst/>
+          </a:prstGeom>
+          <a:solidFill>
+            <a:schemeClr val="accent5">
+              <a:lumMod val="75000"/>
+            </a:schemeClr>
+          </a:solidFill>
+          <a:ln>
+            <a:solidFill>
+              <a:schemeClr val="tx1">
+                <a:lumMod val="95000"/>
+                <a:lumOff val="5000"/>
+              </a:schemeClr>
+            </a:solidFill>
+          </a:ln>
+        </p:spPr>
+        <p:style>
+          <a:lnRef idx="2">
+            <a:schemeClr val="accent1">
+              <a:shade val="50000"/>
+            </a:schemeClr>
+          </a:lnRef>
+          <a:fillRef idx="1">
+            <a:schemeClr val="accent1"/>
+          </a:fillRef>
+          <a:effectRef idx="0">
+            <a:schemeClr val="accent1"/>
+          </a:effectRef>
+          <a:fontRef idx="minor">
+            <a:schemeClr val="lt1"/>
+          </a:fontRef>
+        </p:style>
+        <p:txBody>
+          <a:bodyPr rtlCol="0" anchor="ctr"/>
+          <a:lstStyle/>
+          <a:p>
+            <a:pPr algn="ctr"/>
+            <a:endParaRPr lang="fr-FR" noProof="1"/>
+          </a:p>
+        </p:txBody>
+      </p:sp>
+      <p:sp>
+        <p:nvSpPr>
+          <p:cNvPr id="10" name="Rectangle : coins arrondis 9">
+            <a:extLst>
+              <a:ext uri="{FF2B5EF4-FFF2-40B4-BE49-F238E27FC236}">
+                <a16:creationId xmlns:a16="http://schemas.microsoft.com/office/drawing/2014/main" id="{B46BB0BF-26EC-5046-A387-E30EEEA49E9F}"/>
+              </a:ext>
+            </a:extLst>
+          </p:cNvPr>
+          <p:cNvSpPr/>
+          <p:nvPr/>
+        </p:nvSpPr>
+        <p:spPr>
+          <a:xfrm>
+            <a:off x="3321595" y="3138086"/>
+            <a:ext cx="578069" cy="578069"/>
+          </a:xfrm>
+          <a:prstGeom prst="roundRect">
+            <a:avLst/>
+          </a:prstGeom>
+          <a:solidFill>
+            <a:schemeClr val="accent5">
+              <a:lumMod val="75000"/>
+            </a:schemeClr>
+          </a:solidFill>
+          <a:ln>
+            <a:solidFill>
+              <a:schemeClr val="tx1">
+                <a:lumMod val="95000"/>
+                <a:lumOff val="5000"/>
+              </a:schemeClr>
+            </a:solidFill>
+          </a:ln>
+        </p:spPr>
+        <p:style>
+          <a:lnRef idx="2">
+            <a:schemeClr val="accent1">
+              <a:shade val="50000"/>
+            </a:schemeClr>
+          </a:lnRef>
+          <a:fillRef idx="1">
+            <a:schemeClr val="accent1"/>
+          </a:fillRef>
+          <a:effectRef idx="0">
+            <a:schemeClr val="accent1"/>
+          </a:effectRef>
+          <a:fontRef idx="minor">
+            <a:schemeClr val="lt1"/>
+          </a:fontRef>
+        </p:style>
+        <p:txBody>
+          <a:bodyPr rtlCol="0" anchor="ctr"/>
+          <a:lstStyle/>
+          <a:p>
+            <a:pPr algn="ctr"/>
+            <a:endParaRPr lang="fr-FR" noProof="1"/>
+          </a:p>
+        </p:txBody>
+      </p:sp>
+      <p:sp>
+        <p:nvSpPr>
+          <p:cNvPr id="11" name="Rectangle : coins arrondis 10">
+            <a:extLst>
+              <a:ext uri="{FF2B5EF4-FFF2-40B4-BE49-F238E27FC236}">
+                <a16:creationId xmlns:a16="http://schemas.microsoft.com/office/drawing/2014/main" id="{A02D6579-6906-9B46-9360-B9D3283B75EA}"/>
+              </a:ext>
+            </a:extLst>
+          </p:cNvPr>
+          <p:cNvSpPr/>
+          <p:nvPr/>
+        </p:nvSpPr>
+        <p:spPr>
+          <a:xfrm>
+            <a:off x="4052064" y="2418128"/>
+            <a:ext cx="578069" cy="578069"/>
+          </a:xfrm>
+          <a:prstGeom prst="roundRect">
+            <a:avLst/>
+          </a:prstGeom>
+          <a:solidFill>
+            <a:schemeClr val="accent5">
+              <a:lumMod val="75000"/>
+            </a:schemeClr>
+          </a:solidFill>
+          <a:ln>
+            <a:solidFill>
+              <a:schemeClr val="tx1">
+                <a:lumMod val="95000"/>
+                <a:lumOff val="5000"/>
+              </a:schemeClr>
+            </a:solidFill>
+          </a:ln>
+        </p:spPr>
+        <p:style>
+          <a:lnRef idx="2">
+            <a:schemeClr val="accent1">
+              <a:shade val="50000"/>
+            </a:schemeClr>
+          </a:lnRef>
+          <a:fillRef idx="1">
+            <a:schemeClr val="accent1"/>
+          </a:fillRef>
+          <a:effectRef idx="0">
+            <a:schemeClr val="accent1"/>
+          </a:effectRef>
+          <a:fontRef idx="minor">
+            <a:schemeClr val="lt1"/>
+          </a:fontRef>
+        </p:style>
+        <p:txBody>
+          <a:bodyPr rtlCol="0" anchor="ctr"/>
+          <a:lstStyle/>
+          <a:p>
+            <a:pPr algn="ctr"/>
+            <a:endParaRPr lang="fr-FR" noProof="1"/>
+          </a:p>
+        </p:txBody>
+      </p:sp>
+      <p:sp>
+        <p:nvSpPr>
+          <p:cNvPr id="12" name="Rectangle : coins arrondis 11">
+            <a:extLst>
+              <a:ext uri="{FF2B5EF4-FFF2-40B4-BE49-F238E27FC236}">
+                <a16:creationId xmlns:a16="http://schemas.microsoft.com/office/drawing/2014/main" id="{22635037-67F1-0C40-A4AD-5DB8D98B1CE8}"/>
+              </a:ext>
+            </a:extLst>
+          </p:cNvPr>
+          <p:cNvSpPr/>
+          <p:nvPr/>
+        </p:nvSpPr>
+        <p:spPr>
+          <a:xfrm>
+            <a:off x="4052063" y="1698170"/>
+            <a:ext cx="578069" cy="578069"/>
+          </a:xfrm>
+          <a:prstGeom prst="roundRect">
+            <a:avLst/>
+          </a:prstGeom>
+          <a:solidFill>
+            <a:schemeClr val="accent2">
+              <a:lumMod val="60000"/>
+              <a:lumOff val="40000"/>
+            </a:schemeClr>
+          </a:solidFill>
+          <a:ln>
+            <a:solidFill>
+              <a:schemeClr val="tx1">
+                <a:lumMod val="95000"/>
+                <a:lumOff val="5000"/>
+              </a:schemeClr>
+            </a:solidFill>
+          </a:ln>
+        </p:spPr>
+        <p:style>
+          <a:lnRef idx="2">
+            <a:schemeClr val="accent1">
+              <a:shade val="50000"/>
+            </a:schemeClr>
+          </a:lnRef>
+          <a:fillRef idx="1">
+            <a:schemeClr val="accent1"/>
+          </a:fillRef>
+          <a:effectRef idx="0">
+            <a:schemeClr val="accent1"/>
+          </a:effectRef>
+          <a:fontRef idx="minor">
+            <a:schemeClr val="lt1"/>
+          </a:fontRef>
+        </p:style>
+        <p:txBody>
+          <a:bodyPr rtlCol="0" anchor="ctr"/>
+          <a:lstStyle/>
+          <a:p>
+            <a:pPr algn="ctr"/>
+            <a:endParaRPr lang="fr-FR" noProof="1"/>
+          </a:p>
+        </p:txBody>
+      </p:sp>
+      <p:sp>
+        <p:nvSpPr>
+          <p:cNvPr id="13" name="Rectangle : coins arrondis 12">
+            <a:extLst>
+              <a:ext uri="{FF2B5EF4-FFF2-40B4-BE49-F238E27FC236}">
+                <a16:creationId xmlns:a16="http://schemas.microsoft.com/office/drawing/2014/main" id="{C518C270-5E51-5C4C-9922-DBDDA02D44AA}"/>
+              </a:ext>
+            </a:extLst>
+          </p:cNvPr>
+          <p:cNvSpPr/>
+          <p:nvPr/>
+        </p:nvSpPr>
+        <p:spPr>
+          <a:xfrm>
+            <a:off x="4052063" y="3138086"/>
+            <a:ext cx="578069" cy="578069"/>
+          </a:xfrm>
+          <a:prstGeom prst="roundRect">
+            <a:avLst/>
+          </a:prstGeom>
+          <a:solidFill>
+            <a:schemeClr val="accent5">
+              <a:lumMod val="75000"/>
+            </a:schemeClr>
+          </a:solidFill>
+          <a:ln>
+            <a:solidFill>
+              <a:schemeClr val="tx1">
+                <a:lumMod val="95000"/>
+                <a:lumOff val="5000"/>
+              </a:schemeClr>
+            </a:solidFill>
+          </a:ln>
+        </p:spPr>
+        <p:style>
+          <a:lnRef idx="2">
+            <a:schemeClr val="accent1">
+              <a:shade val="50000"/>
+            </a:schemeClr>
+          </a:lnRef>
+          <a:fillRef idx="1">
+            <a:schemeClr val="accent1"/>
+          </a:fillRef>
+          <a:effectRef idx="0">
+            <a:schemeClr val="accent1"/>
+          </a:effectRef>
+          <a:fontRef idx="minor">
+            <a:schemeClr val="lt1"/>
+          </a:fontRef>
+        </p:style>
+        <p:txBody>
+          <a:bodyPr rtlCol="0" anchor="ctr"/>
+          <a:lstStyle/>
+          <a:p>
+            <a:pPr algn="ctr"/>
+            <a:endParaRPr lang="fr-FR" noProof="1"/>
+          </a:p>
+        </p:txBody>
+      </p:sp>
+      <p:sp>
+        <p:nvSpPr>
+          <p:cNvPr id="14" name="Rectangle : coins arrondis 13">
+            <a:extLst>
+              <a:ext uri="{FF2B5EF4-FFF2-40B4-BE49-F238E27FC236}">
+                <a16:creationId xmlns:a16="http://schemas.microsoft.com/office/drawing/2014/main" id="{6EE524A8-8E97-7747-B0B0-8CEF67F97F81}"/>
+              </a:ext>
+            </a:extLst>
+          </p:cNvPr>
+          <p:cNvSpPr/>
+          <p:nvPr/>
+        </p:nvSpPr>
+        <p:spPr>
+          <a:xfrm>
+            <a:off x="2591125" y="3858045"/>
+            <a:ext cx="578069" cy="578069"/>
+          </a:xfrm>
+          <a:prstGeom prst="roundRect">
+            <a:avLst/>
+          </a:prstGeom>
+          <a:solidFill>
+            <a:schemeClr val="accent2">
+              <a:lumMod val="60000"/>
+              <a:lumOff val="40000"/>
+            </a:schemeClr>
+          </a:solidFill>
+          <a:ln>
+            <a:solidFill>
+              <a:schemeClr val="tx1">
+                <a:lumMod val="95000"/>
+                <a:lumOff val="5000"/>
+              </a:schemeClr>
+            </a:solidFill>
+          </a:ln>
+        </p:spPr>
+        <p:style>
+          <a:lnRef idx="2">
+            <a:schemeClr val="accent1">
+              <a:shade val="50000"/>
+            </a:schemeClr>
+          </a:lnRef>
+          <a:fillRef idx="1">
+            <a:schemeClr val="accent1"/>
+          </a:fillRef>
+          <a:effectRef idx="0">
+            <a:schemeClr val="accent1"/>
+          </a:effectRef>
+          <a:fontRef idx="minor">
+            <a:schemeClr val="lt1"/>
+          </a:fontRef>
+        </p:style>
+        <p:txBody>
+          <a:bodyPr rtlCol="0" anchor="ctr"/>
+          <a:lstStyle/>
+          <a:p>
+            <a:pPr algn="ctr"/>
+            <a:endParaRPr lang="fr-FR" noProof="1"/>
+          </a:p>
+        </p:txBody>
+      </p:sp>
+      <p:sp>
+        <p:nvSpPr>
+          <p:cNvPr id="15" name="Rectangle : coins arrondis 14">
+            <a:extLst>
+              <a:ext uri="{FF2B5EF4-FFF2-40B4-BE49-F238E27FC236}">
+                <a16:creationId xmlns:a16="http://schemas.microsoft.com/office/drawing/2014/main" id="{35F16F55-C9F1-3948-B910-A4B406BFC3CD}"/>
+              </a:ext>
+            </a:extLst>
+          </p:cNvPr>
+          <p:cNvSpPr/>
+          <p:nvPr/>
+        </p:nvSpPr>
+        <p:spPr>
+          <a:xfrm>
+            <a:off x="3321595" y="3858044"/>
+            <a:ext cx="578069" cy="578069"/>
+          </a:xfrm>
+          <a:prstGeom prst="roundRect">
+            <a:avLst/>
+          </a:prstGeom>
+          <a:solidFill>
+            <a:schemeClr val="accent2">
+              <a:lumMod val="60000"/>
+              <a:lumOff val="40000"/>
+            </a:schemeClr>
+          </a:solidFill>
+          <a:ln>
+            <a:solidFill>
+              <a:schemeClr val="tx1">
+                <a:lumMod val="95000"/>
+                <a:lumOff val="5000"/>
+              </a:schemeClr>
+            </a:solidFill>
+          </a:ln>
+        </p:spPr>
+        <p:style>
+          <a:lnRef idx="2">
+            <a:schemeClr val="accent1">
+              <a:shade val="50000"/>
+            </a:schemeClr>
+          </a:lnRef>
+          <a:fillRef idx="1">
+            <a:schemeClr val="accent1"/>
+          </a:fillRef>
+          <a:effectRef idx="0">
+            <a:schemeClr val="accent1"/>
+          </a:effectRef>
+          <a:fontRef idx="minor">
+            <a:schemeClr val="lt1"/>
+          </a:fontRef>
+        </p:style>
+        <p:txBody>
+          <a:bodyPr rtlCol="0" anchor="ctr"/>
+          <a:lstStyle/>
+          <a:p>
+            <a:pPr algn="ctr"/>
+            <a:endParaRPr lang="fr-FR" noProof="1"/>
+          </a:p>
+        </p:txBody>
+      </p:sp>
+      <p:sp>
+        <p:nvSpPr>
+          <p:cNvPr id="16" name="Rectangle : coins arrondis 15">
+            <a:extLst>
+              <a:ext uri="{FF2B5EF4-FFF2-40B4-BE49-F238E27FC236}">
+                <a16:creationId xmlns:a16="http://schemas.microsoft.com/office/drawing/2014/main" id="{047DBFD9-BA19-DB4A-BAE9-F9429EB0C1DC}"/>
+              </a:ext>
+            </a:extLst>
+          </p:cNvPr>
+          <p:cNvSpPr/>
+          <p:nvPr/>
+        </p:nvSpPr>
+        <p:spPr>
+          <a:xfrm>
+            <a:off x="4052063" y="3858044"/>
+            <a:ext cx="578069" cy="578069"/>
+          </a:xfrm>
+          <a:prstGeom prst="roundRect">
+            <a:avLst/>
+          </a:prstGeom>
+          <a:solidFill>
+            <a:schemeClr val="accent2">
+              <a:lumMod val="60000"/>
+              <a:lumOff val="40000"/>
+            </a:schemeClr>
+          </a:solidFill>
+          <a:ln>
+            <a:solidFill>
+              <a:schemeClr val="tx1">
+                <a:lumMod val="95000"/>
+                <a:lumOff val="5000"/>
+              </a:schemeClr>
+            </a:solidFill>
+          </a:ln>
+        </p:spPr>
+        <p:style>
+          <a:lnRef idx="2">
+            <a:schemeClr val="accent1">
+              <a:shade val="50000"/>
+            </a:schemeClr>
+          </a:lnRef>
+          <a:fillRef idx="1">
+            <a:schemeClr val="accent1"/>
+          </a:fillRef>
+          <a:effectRef idx="0">
+            <a:schemeClr val="accent1"/>
+          </a:effectRef>
+          <a:fontRef idx="minor">
+            <a:schemeClr val="lt1"/>
+          </a:fontRef>
+        </p:style>
+        <p:txBody>
+          <a:bodyPr rtlCol="0" anchor="ctr"/>
+          <a:lstStyle/>
+          <a:p>
+            <a:pPr algn="ctr"/>
+            <a:endParaRPr lang="fr-FR" noProof="1"/>
+          </a:p>
+        </p:txBody>
+      </p:sp>
+      <p:sp>
+        <p:nvSpPr>
+          <p:cNvPr id="17" name="Parenthèse ouvrante 16">
+            <a:extLst>
+              <a:ext uri="{FF2B5EF4-FFF2-40B4-BE49-F238E27FC236}">
+                <a16:creationId xmlns:a16="http://schemas.microsoft.com/office/drawing/2014/main" id="{A3A11F12-9D2D-9246-808A-F8096372078B}"/>
+              </a:ext>
+            </a:extLst>
+          </p:cNvPr>
+          <p:cNvSpPr/>
+          <p:nvPr/>
+        </p:nvSpPr>
+        <p:spPr>
+          <a:xfrm>
+            <a:off x="2412449" y="1540515"/>
+            <a:ext cx="294289" cy="3111062"/>
+          </a:xfrm>
+          <a:prstGeom prst="leftBracket">
+            <a:avLst/>
+          </a:prstGeom>
+          <a:ln w="38100"/>
+        </p:spPr>
+        <p:style>
+          <a:lnRef idx="1">
+            <a:schemeClr val="dk1"/>
+          </a:lnRef>
+          <a:fillRef idx="0">
+            <a:schemeClr val="dk1"/>
+          </a:fillRef>
+          <a:effectRef idx="0">
+            <a:schemeClr val="dk1"/>
+          </a:effectRef>
+          <a:fontRef idx="minor">
+            <a:schemeClr val="tx1"/>
+          </a:fontRef>
+        </p:style>
+        <p:txBody>
+          <a:bodyPr rtlCol="0" anchor="ctr"/>
+          <a:lstStyle/>
+          <a:p>
+            <a:pPr algn="ctr"/>
+            <a:endParaRPr lang="fr-FR" noProof="1"/>
+          </a:p>
+        </p:txBody>
+      </p:sp>
+      <p:sp>
+        <p:nvSpPr>
+          <p:cNvPr id="18" name="Parenthèse ouvrante 17">
+            <a:extLst>
+              <a:ext uri="{FF2B5EF4-FFF2-40B4-BE49-F238E27FC236}">
+                <a16:creationId xmlns:a16="http://schemas.microsoft.com/office/drawing/2014/main" id="{C25BDF8E-307E-1947-90E9-9CB06131E1EE}"/>
+              </a:ext>
+            </a:extLst>
+          </p:cNvPr>
+          <p:cNvSpPr/>
+          <p:nvPr/>
+        </p:nvSpPr>
+        <p:spPr>
+          <a:xfrm rot="10800000">
+            <a:off x="4514521" y="1540515"/>
+            <a:ext cx="294289" cy="3111062"/>
+          </a:xfrm>
+          <a:prstGeom prst="leftBracket">
+            <a:avLst/>
+          </a:prstGeom>
+          <a:ln w="38100"/>
+        </p:spPr>
+        <p:style>
+          <a:lnRef idx="1">
+            <a:schemeClr val="dk1"/>
+          </a:lnRef>
+          <a:fillRef idx="0">
+            <a:schemeClr val="dk1"/>
+          </a:fillRef>
+          <a:effectRef idx="0">
+            <a:schemeClr val="dk1"/>
+          </a:effectRef>
+          <a:fontRef idx="minor">
+            <a:schemeClr val="tx1"/>
+          </a:fontRef>
+        </p:style>
+        <p:txBody>
+          <a:bodyPr rtlCol="0" anchor="ctr"/>
+          <a:lstStyle/>
+          <a:p>
+            <a:pPr algn="ctr"/>
+            <a:endParaRPr lang="fr-FR" noProof="1"/>
+          </a:p>
+        </p:txBody>
+      </p:sp>
+      <p:sp>
+        <p:nvSpPr>
+          <p:cNvPr id="19" name="ZoneTexte 18">
+            <a:extLst>
+              <a:ext uri="{FF2B5EF4-FFF2-40B4-BE49-F238E27FC236}">
+                <a16:creationId xmlns:a16="http://schemas.microsoft.com/office/drawing/2014/main" id="{D4DE254A-8CCD-D84A-9D0E-F4923E02394F}"/>
               </a:ext>
             </a:extLst>
           </p:cNvPr>
@@ -5573,7 +6672,7 @@
         </p:nvSpPr>
         <p:spPr>
           <a:xfrm>
-            <a:off x="8156338" y="3339919"/>
+            <a:off x="2591124" y="1802540"/>
             <a:ext cx="578069" cy="369332"/>
           </a:xfrm>
           <a:prstGeom prst="rect">
@@ -5590,17 +6689,17 @@
             <a:pPr algn="ctr"/>
             <a:r>
               <a:rPr lang="fr-FR" noProof="1"/>
-              <a:t>5</a:t>
-            </a:r>
-          </a:p>
-        </p:txBody>
-      </p:sp>
-      <p:sp>
-        <p:nvSpPr>
-          <p:cNvPr id="57" name="ZoneTexte 56">
-            <a:extLst>
-              <a:ext uri="{FF2B5EF4-FFF2-40B4-BE49-F238E27FC236}">
-                <a16:creationId xmlns:a16="http://schemas.microsoft.com/office/drawing/2014/main" id="{C1A967C3-38E8-6B4F-9AD6-EF09AD06E7EC}"/>
+              <a:t>A</a:t>
+            </a:r>
+          </a:p>
+        </p:txBody>
+      </p:sp>
+      <p:sp>
+        <p:nvSpPr>
+          <p:cNvPr id="20" name="ZoneTexte 19">
+            <a:extLst>
+              <a:ext uri="{FF2B5EF4-FFF2-40B4-BE49-F238E27FC236}">
+                <a16:creationId xmlns:a16="http://schemas.microsoft.com/office/drawing/2014/main" id="{3F84F1A2-CFA8-5449-A19E-13971F14A9C7}"/>
               </a:ext>
             </a:extLst>
           </p:cNvPr>
@@ -5609,7 +6708,875 @@
         </p:nvSpPr>
         <p:spPr>
           <a:xfrm>
-            <a:off x="7425868" y="3331938"/>
+            <a:off x="3318962" y="1793186"/>
+            <a:ext cx="578069" cy="369332"/>
+          </a:xfrm>
+          <a:prstGeom prst="rect">
+            <a:avLst/>
+          </a:prstGeom>
+          <a:noFill/>
+        </p:spPr>
+        <p:txBody>
+          <a:bodyPr wrap="square" rtlCol="0" anchor="ctr">
+            <a:spAutoFit/>
+          </a:bodyPr>
+          <a:lstStyle/>
+          <a:p>
+            <a:pPr algn="ctr"/>
+            <a:r>
+              <a:rPr lang="fr-FR" noProof="1"/>
+              <a:t>1</a:t>
+            </a:r>
+          </a:p>
+        </p:txBody>
+      </p:sp>
+      <p:sp>
+        <p:nvSpPr>
+          <p:cNvPr id="21" name="ZoneTexte 20">
+            <a:extLst>
+              <a:ext uri="{FF2B5EF4-FFF2-40B4-BE49-F238E27FC236}">
+                <a16:creationId xmlns:a16="http://schemas.microsoft.com/office/drawing/2014/main" id="{60EFEC45-5E0B-484B-B07C-254E53CEDD9D}"/>
+              </a:ext>
+            </a:extLst>
+          </p:cNvPr>
+          <p:cNvSpPr txBox="1"/>
+          <p:nvPr/>
+        </p:nvSpPr>
+        <p:spPr>
+          <a:xfrm>
+            <a:off x="4046798" y="1802538"/>
+            <a:ext cx="578069" cy="369332"/>
+          </a:xfrm>
+          <a:prstGeom prst="rect">
+            <a:avLst/>
+          </a:prstGeom>
+          <a:noFill/>
+        </p:spPr>
+        <p:txBody>
+          <a:bodyPr wrap="square" rtlCol="0" anchor="ctr">
+            <a:spAutoFit/>
+          </a:bodyPr>
+          <a:lstStyle/>
+          <a:p>
+            <a:pPr algn="ctr"/>
+            <a:r>
+              <a:rPr lang="fr-FR" noProof="1"/>
+              <a:t>A</a:t>
+            </a:r>
+          </a:p>
+        </p:txBody>
+      </p:sp>
+      <p:sp>
+        <p:nvSpPr>
+          <p:cNvPr id="22" name="ZoneTexte 21">
+            <a:extLst>
+              <a:ext uri="{FF2B5EF4-FFF2-40B4-BE49-F238E27FC236}">
+                <a16:creationId xmlns:a16="http://schemas.microsoft.com/office/drawing/2014/main" id="{8B4E73A1-7144-5C48-BD00-4A11E7E0DFAB}"/>
+              </a:ext>
+            </a:extLst>
+          </p:cNvPr>
+          <p:cNvSpPr txBox="1"/>
+          <p:nvPr/>
+        </p:nvSpPr>
+        <p:spPr>
+          <a:xfrm>
+            <a:off x="2591123" y="2513145"/>
+            <a:ext cx="578069" cy="369332"/>
+          </a:xfrm>
+          <a:prstGeom prst="rect">
+            <a:avLst/>
+          </a:prstGeom>
+          <a:noFill/>
+        </p:spPr>
+        <p:txBody>
+          <a:bodyPr wrap="square" rtlCol="0" anchor="ctr">
+            <a:spAutoFit/>
+          </a:bodyPr>
+          <a:lstStyle/>
+          <a:p>
+            <a:pPr algn="ctr"/>
+            <a:r>
+              <a:rPr lang="fr-FR" noProof="1"/>
+              <a:t>B</a:t>
+            </a:r>
+          </a:p>
+        </p:txBody>
+      </p:sp>
+      <p:sp>
+        <p:nvSpPr>
+          <p:cNvPr id="23" name="ZoneTexte 22">
+            <a:extLst>
+              <a:ext uri="{FF2B5EF4-FFF2-40B4-BE49-F238E27FC236}">
+                <a16:creationId xmlns:a16="http://schemas.microsoft.com/office/drawing/2014/main" id="{1E9F0808-0423-A144-9EAD-91A7E6CF660C}"/>
+              </a:ext>
+            </a:extLst>
+          </p:cNvPr>
+          <p:cNvSpPr txBox="1"/>
+          <p:nvPr/>
+        </p:nvSpPr>
+        <p:spPr>
+          <a:xfrm>
+            <a:off x="3297942" y="2518554"/>
+            <a:ext cx="578069" cy="369332"/>
+          </a:xfrm>
+          <a:prstGeom prst="rect">
+            <a:avLst/>
+          </a:prstGeom>
+          <a:noFill/>
+        </p:spPr>
+        <p:txBody>
+          <a:bodyPr wrap="square" rtlCol="0" anchor="ctr">
+            <a:spAutoFit/>
+          </a:bodyPr>
+          <a:lstStyle/>
+          <a:p>
+            <a:pPr algn="ctr"/>
+            <a:r>
+              <a:rPr lang="fr-FR" noProof="1"/>
+              <a:t>3</a:t>
+            </a:r>
+          </a:p>
+        </p:txBody>
+      </p:sp>
+      <p:sp>
+        <p:nvSpPr>
+          <p:cNvPr id="24" name="ZoneTexte 23">
+            <a:extLst>
+              <a:ext uri="{FF2B5EF4-FFF2-40B4-BE49-F238E27FC236}">
+                <a16:creationId xmlns:a16="http://schemas.microsoft.com/office/drawing/2014/main" id="{D730A442-A69A-B644-9EF4-7B7799233C6F}"/>
+              </a:ext>
+            </a:extLst>
+          </p:cNvPr>
+          <p:cNvSpPr txBox="1"/>
+          <p:nvPr/>
+        </p:nvSpPr>
+        <p:spPr>
+          <a:xfrm>
+            <a:off x="4046800" y="2513144"/>
+            <a:ext cx="578069" cy="369332"/>
+          </a:xfrm>
+          <a:prstGeom prst="rect">
+            <a:avLst/>
+          </a:prstGeom>
+          <a:noFill/>
+        </p:spPr>
+        <p:txBody>
+          <a:bodyPr wrap="square" rtlCol="0" anchor="ctr">
+            <a:spAutoFit/>
+          </a:bodyPr>
+          <a:lstStyle/>
+          <a:p>
+            <a:pPr algn="ctr"/>
+            <a:r>
+              <a:rPr lang="fr-FR" noProof="1"/>
+              <a:t>B</a:t>
+            </a:r>
+          </a:p>
+        </p:txBody>
+      </p:sp>
+      <p:sp>
+        <p:nvSpPr>
+          <p:cNvPr id="25" name="ZoneTexte 24">
+            <a:extLst>
+              <a:ext uri="{FF2B5EF4-FFF2-40B4-BE49-F238E27FC236}">
+                <a16:creationId xmlns:a16="http://schemas.microsoft.com/office/drawing/2014/main" id="{A917A353-AD67-A444-B606-AF45F833EC2C}"/>
+              </a:ext>
+            </a:extLst>
+          </p:cNvPr>
+          <p:cNvSpPr txBox="1"/>
+          <p:nvPr/>
+        </p:nvSpPr>
+        <p:spPr>
+          <a:xfrm>
+            <a:off x="4046799" y="3233102"/>
+            <a:ext cx="578069" cy="369332"/>
+          </a:xfrm>
+          <a:prstGeom prst="rect">
+            <a:avLst/>
+          </a:prstGeom>
+          <a:noFill/>
+        </p:spPr>
+        <p:txBody>
+          <a:bodyPr wrap="square" rtlCol="0" anchor="ctr">
+            <a:spAutoFit/>
+          </a:bodyPr>
+          <a:lstStyle/>
+          <a:p>
+            <a:pPr algn="ctr"/>
+            <a:r>
+              <a:rPr lang="fr-FR" noProof="1"/>
+              <a:t>C</a:t>
+            </a:r>
+          </a:p>
+        </p:txBody>
+      </p:sp>
+      <p:sp>
+        <p:nvSpPr>
+          <p:cNvPr id="26" name="ZoneTexte 25">
+            <a:extLst>
+              <a:ext uri="{FF2B5EF4-FFF2-40B4-BE49-F238E27FC236}">
+                <a16:creationId xmlns:a16="http://schemas.microsoft.com/office/drawing/2014/main" id="{F5B97412-8243-FE47-B33E-F9CBBE16D8DF}"/>
+              </a:ext>
+            </a:extLst>
+          </p:cNvPr>
+          <p:cNvSpPr txBox="1"/>
+          <p:nvPr/>
+        </p:nvSpPr>
+        <p:spPr>
+          <a:xfrm>
+            <a:off x="3316329" y="3242452"/>
+            <a:ext cx="578069" cy="369332"/>
+          </a:xfrm>
+          <a:prstGeom prst="rect">
+            <a:avLst/>
+          </a:prstGeom>
+          <a:noFill/>
+        </p:spPr>
+        <p:txBody>
+          <a:bodyPr wrap="square" rtlCol="0" anchor="ctr">
+            <a:spAutoFit/>
+          </a:bodyPr>
+          <a:lstStyle/>
+          <a:p>
+            <a:pPr algn="ctr"/>
+            <a:r>
+              <a:rPr lang="fr-FR" noProof="1"/>
+              <a:t>2</a:t>
+            </a:r>
+          </a:p>
+        </p:txBody>
+      </p:sp>
+      <p:sp>
+        <p:nvSpPr>
+          <p:cNvPr id="27" name="ZoneTexte 26">
+            <a:extLst>
+              <a:ext uri="{FF2B5EF4-FFF2-40B4-BE49-F238E27FC236}">
+                <a16:creationId xmlns:a16="http://schemas.microsoft.com/office/drawing/2014/main" id="{92E36395-6D28-6248-AC94-82A3F6B8ED07}"/>
+              </a:ext>
+            </a:extLst>
+          </p:cNvPr>
+          <p:cNvSpPr txBox="1"/>
+          <p:nvPr/>
+        </p:nvSpPr>
+        <p:spPr>
+          <a:xfrm>
+            <a:off x="2585859" y="3234471"/>
+            <a:ext cx="578069" cy="369332"/>
+          </a:xfrm>
+          <a:prstGeom prst="rect">
+            <a:avLst/>
+          </a:prstGeom>
+          <a:noFill/>
+        </p:spPr>
+        <p:txBody>
+          <a:bodyPr wrap="square" rtlCol="0" anchor="ctr">
+            <a:spAutoFit/>
+          </a:bodyPr>
+          <a:lstStyle/>
+          <a:p>
+            <a:pPr algn="ctr"/>
+            <a:r>
+              <a:rPr lang="fr-FR" noProof="1"/>
+              <a:t>B</a:t>
+            </a:r>
+          </a:p>
+        </p:txBody>
+      </p:sp>
+      <p:sp>
+        <p:nvSpPr>
+          <p:cNvPr id="28" name="ZoneTexte 27">
+            <a:extLst>
+              <a:ext uri="{FF2B5EF4-FFF2-40B4-BE49-F238E27FC236}">
+                <a16:creationId xmlns:a16="http://schemas.microsoft.com/office/drawing/2014/main" id="{CFDCD592-C400-0848-87BB-E1F080A9821E}"/>
+              </a:ext>
+            </a:extLst>
+          </p:cNvPr>
+          <p:cNvSpPr txBox="1"/>
+          <p:nvPr/>
+        </p:nvSpPr>
+        <p:spPr>
+          <a:xfrm>
+            <a:off x="2596357" y="3974812"/>
+            <a:ext cx="578069" cy="369332"/>
+          </a:xfrm>
+          <a:prstGeom prst="rect">
+            <a:avLst/>
+          </a:prstGeom>
+          <a:noFill/>
+        </p:spPr>
+        <p:txBody>
+          <a:bodyPr wrap="square" rtlCol="0" anchor="ctr">
+            <a:spAutoFit/>
+          </a:bodyPr>
+          <a:lstStyle/>
+          <a:p>
+            <a:pPr algn="ctr"/>
+            <a:r>
+              <a:rPr lang="fr-FR" noProof="1"/>
+              <a:t>A</a:t>
+            </a:r>
+          </a:p>
+        </p:txBody>
+      </p:sp>
+      <p:sp>
+        <p:nvSpPr>
+          <p:cNvPr id="29" name="ZoneTexte 28">
+            <a:extLst>
+              <a:ext uri="{FF2B5EF4-FFF2-40B4-BE49-F238E27FC236}">
+                <a16:creationId xmlns:a16="http://schemas.microsoft.com/office/drawing/2014/main" id="{8CEDA49B-B113-1A47-85D3-CE5904A95B7D}"/>
+              </a:ext>
+            </a:extLst>
+          </p:cNvPr>
+          <p:cNvSpPr txBox="1"/>
+          <p:nvPr/>
+        </p:nvSpPr>
+        <p:spPr>
+          <a:xfrm>
+            <a:off x="3316328" y="3962410"/>
+            <a:ext cx="578069" cy="369332"/>
+          </a:xfrm>
+          <a:prstGeom prst="rect">
+            <a:avLst/>
+          </a:prstGeom>
+          <a:noFill/>
+        </p:spPr>
+        <p:txBody>
+          <a:bodyPr wrap="square" rtlCol="0" anchor="ctr">
+            <a:spAutoFit/>
+          </a:bodyPr>
+          <a:lstStyle/>
+          <a:p>
+            <a:pPr algn="ctr"/>
+            <a:r>
+              <a:rPr lang="fr-FR" noProof="1"/>
+              <a:t>7</a:t>
+            </a:r>
+          </a:p>
+        </p:txBody>
+      </p:sp>
+      <p:sp>
+        <p:nvSpPr>
+          <p:cNvPr id="30" name="ZoneTexte 29">
+            <a:extLst>
+              <a:ext uri="{FF2B5EF4-FFF2-40B4-BE49-F238E27FC236}">
+                <a16:creationId xmlns:a16="http://schemas.microsoft.com/office/drawing/2014/main" id="{C5FD19B9-3D77-E547-9738-9500B75FECC2}"/>
+              </a:ext>
+            </a:extLst>
+          </p:cNvPr>
+          <p:cNvSpPr txBox="1"/>
+          <p:nvPr/>
+        </p:nvSpPr>
+        <p:spPr>
+          <a:xfrm>
+            <a:off x="4054677" y="3958308"/>
+            <a:ext cx="578069" cy="369332"/>
+          </a:xfrm>
+          <a:prstGeom prst="rect">
+            <a:avLst/>
+          </a:prstGeom>
+          <a:noFill/>
+        </p:spPr>
+        <p:txBody>
+          <a:bodyPr wrap="square" rtlCol="0" anchor="ctr">
+            <a:spAutoFit/>
+          </a:bodyPr>
+          <a:lstStyle/>
+          <a:p>
+            <a:pPr algn="ctr"/>
+            <a:r>
+              <a:rPr lang="fr-FR" noProof="1"/>
+              <a:t>D</a:t>
+            </a:r>
+          </a:p>
+        </p:txBody>
+      </p:sp>
+      <p:sp>
+        <p:nvSpPr>
+          <p:cNvPr id="37" name="Parenthèse ouvrante 36">
+            <a:extLst>
+              <a:ext uri="{FF2B5EF4-FFF2-40B4-BE49-F238E27FC236}">
+                <a16:creationId xmlns:a16="http://schemas.microsoft.com/office/drawing/2014/main" id="{E30316EC-6D10-C243-B7CA-5A542132026F}"/>
+              </a:ext>
+            </a:extLst>
+          </p:cNvPr>
+          <p:cNvSpPr/>
+          <p:nvPr/>
+        </p:nvSpPr>
+        <p:spPr>
+          <a:xfrm>
+            <a:off x="7257715" y="2347597"/>
+            <a:ext cx="294289" cy="1581805"/>
+          </a:xfrm>
+          <a:prstGeom prst="leftBracket">
+            <a:avLst/>
+          </a:prstGeom>
+          <a:ln w="38100"/>
+        </p:spPr>
+        <p:style>
+          <a:lnRef idx="1">
+            <a:schemeClr val="dk1"/>
+          </a:lnRef>
+          <a:fillRef idx="0">
+            <a:schemeClr val="dk1"/>
+          </a:fillRef>
+          <a:effectRef idx="0">
+            <a:schemeClr val="dk1"/>
+          </a:effectRef>
+          <a:fontRef idx="minor">
+            <a:schemeClr val="tx1"/>
+          </a:fontRef>
+        </p:style>
+        <p:txBody>
+          <a:bodyPr rtlCol="0" anchor="ctr"/>
+          <a:lstStyle/>
+          <a:p>
+            <a:pPr algn="ctr"/>
+            <a:endParaRPr lang="fr-FR" noProof="1"/>
+          </a:p>
+        </p:txBody>
+      </p:sp>
+      <p:sp>
+        <p:nvSpPr>
+          <p:cNvPr id="38" name="Parenthèse ouvrante 37">
+            <a:extLst>
+              <a:ext uri="{FF2B5EF4-FFF2-40B4-BE49-F238E27FC236}">
+                <a16:creationId xmlns:a16="http://schemas.microsoft.com/office/drawing/2014/main" id="{B3B91D33-8B60-364C-BACF-7995F4DF4FC0}"/>
+              </a:ext>
+            </a:extLst>
+          </p:cNvPr>
+          <p:cNvSpPr/>
+          <p:nvPr/>
+        </p:nvSpPr>
+        <p:spPr>
+          <a:xfrm rot="10800000">
+            <a:off x="8742306" y="2339387"/>
+            <a:ext cx="294289" cy="1610711"/>
+          </a:xfrm>
+          <a:prstGeom prst="leftBracket">
+            <a:avLst/>
+          </a:prstGeom>
+          <a:ln w="38100"/>
+        </p:spPr>
+        <p:style>
+          <a:lnRef idx="1">
+            <a:schemeClr val="dk1"/>
+          </a:lnRef>
+          <a:fillRef idx="0">
+            <a:schemeClr val="dk1"/>
+          </a:fillRef>
+          <a:effectRef idx="0">
+            <a:schemeClr val="dk1"/>
+          </a:effectRef>
+          <a:fontRef idx="minor">
+            <a:schemeClr val="tx1"/>
+          </a:fontRef>
+        </p:style>
+        <p:txBody>
+          <a:bodyPr rtlCol="0" anchor="ctr"/>
+          <a:lstStyle/>
+          <a:p>
+            <a:pPr algn="ctr"/>
+            <a:endParaRPr lang="fr-FR" noProof="1"/>
+          </a:p>
+        </p:txBody>
+      </p:sp>
+      <p:sp>
+        <p:nvSpPr>
+          <p:cNvPr id="45" name="ZoneTexte 44">
+            <a:extLst>
+              <a:ext uri="{FF2B5EF4-FFF2-40B4-BE49-F238E27FC236}">
+                <a16:creationId xmlns:a16="http://schemas.microsoft.com/office/drawing/2014/main" id="{189565FD-73A0-C34E-A47C-7D2F31F8A5CC}"/>
+              </a:ext>
+            </a:extLst>
+          </p:cNvPr>
+          <p:cNvSpPr txBox="1"/>
+          <p:nvPr/>
+        </p:nvSpPr>
+        <p:spPr>
+          <a:xfrm>
+            <a:off x="5229221" y="2525150"/>
+            <a:ext cx="1608083" cy="1015663"/>
+          </a:xfrm>
+          <a:prstGeom prst="rect">
+            <a:avLst/>
+          </a:prstGeom>
+          <a:noFill/>
+        </p:spPr>
+        <p:txBody>
+          <a:bodyPr wrap="square" rtlCol="0">
+            <a:spAutoFit/>
+          </a:bodyPr>
+          <a:lstStyle/>
+          <a:p>
+            <a:pPr algn="ctr"/>
+            <a:r>
+              <a:rPr lang="fr-FR" sz="6000" noProof="1"/>
+              <a:t>⇒</a:t>
+            </a:r>
+          </a:p>
+        </p:txBody>
+      </p:sp>
+      <p:sp>
+        <p:nvSpPr>
+          <p:cNvPr id="46" name="Rectangle : coins arrondis 45">
+            <a:extLst>
+              <a:ext uri="{FF2B5EF4-FFF2-40B4-BE49-F238E27FC236}">
+                <a16:creationId xmlns:a16="http://schemas.microsoft.com/office/drawing/2014/main" id="{40607856-3A8D-6F40-9981-1A158F5D68EB}"/>
+              </a:ext>
+            </a:extLst>
+          </p:cNvPr>
+          <p:cNvSpPr/>
+          <p:nvPr/>
+        </p:nvSpPr>
+        <p:spPr>
+          <a:xfrm>
+            <a:off x="7485567" y="2470726"/>
+            <a:ext cx="578069" cy="578069"/>
+          </a:xfrm>
+          <a:prstGeom prst="roundRect">
+            <a:avLst/>
+          </a:prstGeom>
+          <a:solidFill>
+            <a:schemeClr val="accent2">
+              <a:lumMod val="60000"/>
+              <a:lumOff val="40000"/>
+            </a:schemeClr>
+          </a:solidFill>
+          <a:ln>
+            <a:solidFill>
+              <a:schemeClr val="tx1">
+                <a:lumMod val="95000"/>
+                <a:lumOff val="5000"/>
+              </a:schemeClr>
+            </a:solidFill>
+          </a:ln>
+        </p:spPr>
+        <p:style>
+          <a:lnRef idx="2">
+            <a:schemeClr val="accent1">
+              <a:shade val="50000"/>
+            </a:schemeClr>
+          </a:lnRef>
+          <a:fillRef idx="1">
+            <a:schemeClr val="accent1"/>
+          </a:fillRef>
+          <a:effectRef idx="0">
+            <a:schemeClr val="accent1"/>
+          </a:effectRef>
+          <a:fontRef idx="minor">
+            <a:schemeClr val="lt1"/>
+          </a:fontRef>
+        </p:style>
+        <p:txBody>
+          <a:bodyPr rtlCol="0" anchor="ctr"/>
+          <a:lstStyle/>
+          <a:p>
+            <a:pPr algn="ctr"/>
+            <a:endParaRPr lang="fr-FR" noProof="1"/>
+          </a:p>
+        </p:txBody>
+      </p:sp>
+      <p:sp>
+        <p:nvSpPr>
+          <p:cNvPr id="47" name="Rectangle : coins arrondis 46">
+            <a:extLst>
+              <a:ext uri="{FF2B5EF4-FFF2-40B4-BE49-F238E27FC236}">
+                <a16:creationId xmlns:a16="http://schemas.microsoft.com/office/drawing/2014/main" id="{B4B52A50-C067-E24E-A47F-E0559D28FB42}"/>
+              </a:ext>
+            </a:extLst>
+          </p:cNvPr>
+          <p:cNvSpPr/>
+          <p:nvPr/>
+        </p:nvSpPr>
+        <p:spPr>
+          <a:xfrm>
+            <a:off x="8216036" y="2470725"/>
+            <a:ext cx="578069" cy="578069"/>
+          </a:xfrm>
+          <a:prstGeom prst="roundRect">
+            <a:avLst/>
+          </a:prstGeom>
+          <a:solidFill>
+            <a:schemeClr val="accent2">
+              <a:lumMod val="60000"/>
+              <a:lumOff val="40000"/>
+            </a:schemeClr>
+          </a:solidFill>
+          <a:ln>
+            <a:solidFill>
+              <a:schemeClr val="tx1">
+                <a:lumMod val="95000"/>
+                <a:lumOff val="5000"/>
+              </a:schemeClr>
+            </a:solidFill>
+          </a:ln>
+        </p:spPr>
+        <p:style>
+          <a:lnRef idx="2">
+            <a:schemeClr val="accent1">
+              <a:shade val="50000"/>
+            </a:schemeClr>
+          </a:lnRef>
+          <a:fillRef idx="1">
+            <a:schemeClr val="accent1"/>
+          </a:fillRef>
+          <a:effectRef idx="0">
+            <a:schemeClr val="accent1"/>
+          </a:effectRef>
+          <a:fontRef idx="minor">
+            <a:schemeClr val="lt1"/>
+          </a:fontRef>
+        </p:style>
+        <p:txBody>
+          <a:bodyPr rtlCol="0" anchor="ctr"/>
+          <a:lstStyle/>
+          <a:p>
+            <a:pPr algn="ctr"/>
+            <a:endParaRPr lang="fr-FR" noProof="1"/>
+          </a:p>
+        </p:txBody>
+      </p:sp>
+      <p:sp>
+        <p:nvSpPr>
+          <p:cNvPr id="49" name="ZoneTexte 48">
+            <a:extLst>
+              <a:ext uri="{FF2B5EF4-FFF2-40B4-BE49-F238E27FC236}">
+                <a16:creationId xmlns:a16="http://schemas.microsoft.com/office/drawing/2014/main" id="{94CA3336-7E2C-1243-925B-DB2CFFB87AF3}"/>
+              </a:ext>
+            </a:extLst>
+          </p:cNvPr>
+          <p:cNvSpPr txBox="1"/>
+          <p:nvPr/>
+        </p:nvSpPr>
+        <p:spPr>
+          <a:xfrm>
+            <a:off x="7485565" y="2575095"/>
+            <a:ext cx="578069" cy="369332"/>
+          </a:xfrm>
+          <a:prstGeom prst="rect">
+            <a:avLst/>
+          </a:prstGeom>
+          <a:noFill/>
+        </p:spPr>
+        <p:txBody>
+          <a:bodyPr wrap="square" rtlCol="0" anchor="ctr">
+            <a:spAutoFit/>
+          </a:bodyPr>
+          <a:lstStyle/>
+          <a:p>
+            <a:pPr algn="ctr"/>
+            <a:r>
+              <a:rPr lang="fr-FR" noProof="1"/>
+              <a:t>A</a:t>
+            </a:r>
+          </a:p>
+        </p:txBody>
+      </p:sp>
+      <p:sp>
+        <p:nvSpPr>
+          <p:cNvPr id="50" name="ZoneTexte 49">
+            <a:extLst>
+              <a:ext uri="{FF2B5EF4-FFF2-40B4-BE49-F238E27FC236}">
+                <a16:creationId xmlns:a16="http://schemas.microsoft.com/office/drawing/2014/main" id="{7BC7BDC8-D2A0-BA43-B0C7-65CADF1FF7F3}"/>
+              </a:ext>
+            </a:extLst>
+          </p:cNvPr>
+          <p:cNvSpPr txBox="1"/>
+          <p:nvPr/>
+        </p:nvSpPr>
+        <p:spPr>
+          <a:xfrm>
+            <a:off x="8213403" y="2565741"/>
+            <a:ext cx="578069" cy="369332"/>
+          </a:xfrm>
+          <a:prstGeom prst="rect">
+            <a:avLst/>
+          </a:prstGeom>
+          <a:noFill/>
+        </p:spPr>
+        <p:txBody>
+          <a:bodyPr wrap="square" rtlCol="0" anchor="ctr">
+            <a:spAutoFit/>
+          </a:bodyPr>
+          <a:lstStyle/>
+          <a:p>
+            <a:pPr algn="ctr"/>
+            <a:r>
+              <a:rPr lang="fr-FR" noProof="1"/>
+              <a:t>8</a:t>
+            </a:r>
+          </a:p>
+        </p:txBody>
+      </p:sp>
+      <p:sp>
+        <p:nvSpPr>
+          <p:cNvPr id="52" name="Rectangle : coins arrondis 51">
+            <a:extLst>
+              <a:ext uri="{FF2B5EF4-FFF2-40B4-BE49-F238E27FC236}">
+                <a16:creationId xmlns:a16="http://schemas.microsoft.com/office/drawing/2014/main" id="{A1A75191-5265-7C46-9317-44381E7EFFB3}"/>
+              </a:ext>
+            </a:extLst>
+          </p:cNvPr>
+          <p:cNvSpPr/>
+          <p:nvPr/>
+        </p:nvSpPr>
+        <p:spPr>
+          <a:xfrm>
+            <a:off x="7485564" y="3192010"/>
+            <a:ext cx="578069" cy="578069"/>
+          </a:xfrm>
+          <a:prstGeom prst="roundRect">
+            <a:avLst/>
+          </a:prstGeom>
+          <a:solidFill>
+            <a:schemeClr val="accent5">
+              <a:lumMod val="75000"/>
+            </a:schemeClr>
+          </a:solidFill>
+          <a:ln>
+            <a:solidFill>
+              <a:schemeClr val="tx1">
+                <a:lumMod val="95000"/>
+                <a:lumOff val="5000"/>
+              </a:schemeClr>
+            </a:solidFill>
+          </a:ln>
+        </p:spPr>
+        <p:style>
+          <a:lnRef idx="2">
+            <a:schemeClr val="accent1">
+              <a:shade val="50000"/>
+            </a:schemeClr>
+          </a:lnRef>
+          <a:fillRef idx="1">
+            <a:schemeClr val="accent1"/>
+          </a:fillRef>
+          <a:effectRef idx="0">
+            <a:schemeClr val="accent1"/>
+          </a:effectRef>
+          <a:fontRef idx="minor">
+            <a:schemeClr val="lt1"/>
+          </a:fontRef>
+        </p:style>
+        <p:txBody>
+          <a:bodyPr rtlCol="0" anchor="ctr"/>
+          <a:lstStyle/>
+          <a:p>
+            <a:pPr algn="ctr"/>
+            <a:endParaRPr lang="fr-FR" noProof="1"/>
+          </a:p>
+        </p:txBody>
+      </p:sp>
+      <p:sp>
+        <p:nvSpPr>
+          <p:cNvPr id="53" name="Rectangle : coins arrondis 52">
+            <a:extLst>
+              <a:ext uri="{FF2B5EF4-FFF2-40B4-BE49-F238E27FC236}">
+                <a16:creationId xmlns:a16="http://schemas.microsoft.com/office/drawing/2014/main" id="{FD73C62F-F432-7947-9753-A042AF991496}"/>
+              </a:ext>
+            </a:extLst>
+          </p:cNvPr>
+          <p:cNvSpPr/>
+          <p:nvPr/>
+        </p:nvSpPr>
+        <p:spPr>
+          <a:xfrm>
+            <a:off x="8216034" y="3192009"/>
+            <a:ext cx="578069" cy="578069"/>
+          </a:xfrm>
+          <a:prstGeom prst="roundRect">
+            <a:avLst/>
+          </a:prstGeom>
+          <a:solidFill>
+            <a:schemeClr val="accent5">
+              <a:lumMod val="75000"/>
+            </a:schemeClr>
+          </a:solidFill>
+          <a:ln>
+            <a:solidFill>
+              <a:schemeClr val="tx1">
+                <a:lumMod val="95000"/>
+                <a:lumOff val="5000"/>
+              </a:schemeClr>
+            </a:solidFill>
+          </a:ln>
+        </p:spPr>
+        <p:style>
+          <a:lnRef idx="2">
+            <a:schemeClr val="accent1">
+              <a:shade val="50000"/>
+            </a:schemeClr>
+          </a:lnRef>
+          <a:fillRef idx="1">
+            <a:schemeClr val="accent1"/>
+          </a:fillRef>
+          <a:effectRef idx="0">
+            <a:schemeClr val="accent1"/>
+          </a:effectRef>
+          <a:fontRef idx="minor">
+            <a:schemeClr val="lt1"/>
+          </a:fontRef>
+        </p:style>
+        <p:txBody>
+          <a:bodyPr rtlCol="0" anchor="ctr"/>
+          <a:lstStyle/>
+          <a:p>
+            <a:pPr algn="ctr"/>
+            <a:endParaRPr lang="fr-FR" noProof="1"/>
+          </a:p>
+        </p:txBody>
+      </p:sp>
+      <p:sp>
+        <p:nvSpPr>
+          <p:cNvPr id="56" name="ZoneTexte 55">
+            <a:extLst>
+              <a:ext uri="{FF2B5EF4-FFF2-40B4-BE49-F238E27FC236}">
+                <a16:creationId xmlns:a16="http://schemas.microsoft.com/office/drawing/2014/main" id="{199C955F-195B-4A47-9535-2BEAF1D87C00}"/>
+              </a:ext>
+            </a:extLst>
+          </p:cNvPr>
+          <p:cNvSpPr txBox="1"/>
+          <p:nvPr/>
+        </p:nvSpPr>
+        <p:spPr>
+          <a:xfrm>
+            <a:off x="8210768" y="3296375"/>
+            <a:ext cx="578069" cy="369332"/>
+          </a:xfrm>
+          <a:prstGeom prst="rect">
+            <a:avLst/>
+          </a:prstGeom>
+          <a:noFill/>
+        </p:spPr>
+        <p:txBody>
+          <a:bodyPr wrap="square" rtlCol="0" anchor="ctr">
+            <a:spAutoFit/>
+          </a:bodyPr>
+          <a:lstStyle/>
+          <a:p>
+            <a:pPr algn="ctr"/>
+            <a:r>
+              <a:rPr lang="fr-FR" noProof="1"/>
+              <a:t>5</a:t>
+            </a:r>
+          </a:p>
+        </p:txBody>
+      </p:sp>
+      <p:sp>
+        <p:nvSpPr>
+          <p:cNvPr id="57" name="ZoneTexte 56">
+            <a:extLst>
+              <a:ext uri="{FF2B5EF4-FFF2-40B4-BE49-F238E27FC236}">
+                <a16:creationId xmlns:a16="http://schemas.microsoft.com/office/drawing/2014/main" id="{C1A967C3-38E8-6B4F-9AD6-EF09AD06E7EC}"/>
+              </a:ext>
+            </a:extLst>
+          </p:cNvPr>
+          <p:cNvSpPr txBox="1"/>
+          <p:nvPr/>
+        </p:nvSpPr>
+        <p:spPr>
+          <a:xfrm>
+            <a:off x="7480298" y="3288394"/>
             <a:ext cx="578069" cy="369332"/>
           </a:xfrm>
           <a:prstGeom prst="rect">
@@ -5802,7 +7769,7 @@
     </p:spTree>
     <p:extLst>
       <p:ext uri="{BB962C8B-B14F-4D97-AF65-F5344CB8AC3E}">
-        <p14:creationId xmlns:p14="http://schemas.microsoft.com/office/powerpoint/2010/main" val="3749992948"/>
+        <p14:creationId xmlns:p14="http://schemas.microsoft.com/office/powerpoint/2010/main" val="2429193817"/>
       </p:ext>
     </p:extLst>
   </p:cSld>
